--- a/c#/presentation/1-Fullstackwebdevelopment.pptx
+++ b/c#/presentation/1-Fullstackwebdevelopment.pptx
@@ -239,7 +239,7 @@
             <a:fld id="{3A38CD94-176D-4119-80F9-05F0E1DE1C0E}" type="datetimeFigureOut">
               <a:rPr lang="en-US" smtClean="0"/>
               <a:pPr/>
-              <a:t>9/2/2022</a:t>
+              <a:t>9/20/2022</a:t>
             </a:fld>
             <a:endParaRPr lang="en-US"/>
           </a:p>
@@ -657,7 +657,7 @@
             <a:fld id="{B3B48485-EDEB-4E5A-BB3A-BC2391E627B4}" type="datetimeFigureOut">
               <a:rPr lang="en-IN" smtClean="0"/>
               <a:pPr/>
-              <a:t>02-09-2022</a:t>
+              <a:t>20-09-2022</a:t>
             </a:fld>
             <a:endParaRPr lang="en-IN"/>
           </a:p>
@@ -859,7 +859,7 @@
             <a:fld id="{B3B48485-EDEB-4E5A-BB3A-BC2391E627B4}" type="datetimeFigureOut">
               <a:rPr lang="en-IN" smtClean="0"/>
               <a:pPr/>
-              <a:t>02-09-2022</a:t>
+              <a:t>20-09-2022</a:t>
             </a:fld>
             <a:endParaRPr lang="en-IN"/>
           </a:p>
@@ -1071,7 +1071,7 @@
             <a:fld id="{B3B48485-EDEB-4E5A-BB3A-BC2391E627B4}" type="datetimeFigureOut">
               <a:rPr lang="en-IN" smtClean="0"/>
               <a:pPr/>
-              <a:t>02-09-2022</a:t>
+              <a:t>20-09-2022</a:t>
             </a:fld>
             <a:endParaRPr lang="en-IN"/>
           </a:p>
@@ -1273,7 +1273,7 @@
             <a:fld id="{B3B48485-EDEB-4E5A-BB3A-BC2391E627B4}" type="datetimeFigureOut">
               <a:rPr lang="en-IN" smtClean="0"/>
               <a:pPr/>
-              <a:t>02-09-2022</a:t>
+              <a:t>20-09-2022</a:t>
             </a:fld>
             <a:endParaRPr lang="en-IN"/>
           </a:p>
@@ -1551,7 +1551,7 @@
             <a:fld id="{B3B48485-EDEB-4E5A-BB3A-BC2391E627B4}" type="datetimeFigureOut">
               <a:rPr lang="en-IN" smtClean="0"/>
               <a:pPr/>
-              <a:t>02-09-2022</a:t>
+              <a:t>20-09-2022</a:t>
             </a:fld>
             <a:endParaRPr lang="en-IN"/>
           </a:p>
@@ -1821,7 +1821,7 @@
             <a:fld id="{B3B48485-EDEB-4E5A-BB3A-BC2391E627B4}" type="datetimeFigureOut">
               <a:rPr lang="en-IN" smtClean="0"/>
               <a:pPr/>
-              <a:t>02-09-2022</a:t>
+              <a:t>20-09-2022</a:t>
             </a:fld>
             <a:endParaRPr lang="en-IN"/>
           </a:p>
@@ -2238,7 +2238,7 @@
             <a:fld id="{B3B48485-EDEB-4E5A-BB3A-BC2391E627B4}" type="datetimeFigureOut">
               <a:rPr lang="en-IN" smtClean="0"/>
               <a:pPr/>
-              <a:t>02-09-2022</a:t>
+              <a:t>20-09-2022</a:t>
             </a:fld>
             <a:endParaRPr lang="en-IN"/>
           </a:p>
@@ -2382,7 +2382,7 @@
             <a:fld id="{B3B48485-EDEB-4E5A-BB3A-BC2391E627B4}" type="datetimeFigureOut">
               <a:rPr lang="en-IN" smtClean="0"/>
               <a:pPr/>
-              <a:t>02-09-2022</a:t>
+              <a:t>20-09-2022</a:t>
             </a:fld>
             <a:endParaRPr lang="en-IN"/>
           </a:p>
@@ -2497,7 +2497,7 @@
             <a:fld id="{B3B48485-EDEB-4E5A-BB3A-BC2391E627B4}" type="datetimeFigureOut">
               <a:rPr lang="en-IN" smtClean="0"/>
               <a:pPr/>
-              <a:t>02-09-2022</a:t>
+              <a:t>20-09-2022</a:t>
             </a:fld>
             <a:endParaRPr lang="en-IN"/>
           </a:p>
@@ -2812,7 +2812,7 @@
             <a:fld id="{B3B48485-EDEB-4E5A-BB3A-BC2391E627B4}" type="datetimeFigureOut">
               <a:rPr lang="en-IN" smtClean="0"/>
               <a:pPr/>
-              <a:t>02-09-2022</a:t>
+              <a:t>20-09-2022</a:t>
             </a:fld>
             <a:endParaRPr lang="en-IN"/>
           </a:p>
@@ -3103,7 +3103,7 @@
             <a:fld id="{B3B48485-EDEB-4E5A-BB3A-BC2391E627B4}" type="datetimeFigureOut">
               <a:rPr lang="en-IN" smtClean="0"/>
               <a:pPr/>
-              <a:t>02-09-2022</a:t>
+              <a:t>20-09-2022</a:t>
             </a:fld>
             <a:endParaRPr lang="en-IN"/>
           </a:p>
@@ -3348,7 +3348,7 @@
             <a:fld id="{B3B48485-EDEB-4E5A-BB3A-BC2391E627B4}" type="datetimeFigureOut">
               <a:rPr lang="en-IN" smtClean="0"/>
               <a:pPr/>
-              <a:t>02-09-2022</a:t>
+              <a:t>20-09-2022</a:t>
             </a:fld>
             <a:endParaRPr lang="en-IN"/>
           </a:p>
